--- a/Szimpózium0313.pptx
+++ b/Szimpózium0313.pptx
@@ -1428,7 +1428,10 @@
           <a:bodyPr/>
           <a:lstStyle/>
           <a:p>
-            <a:endParaRPr lang="hu-HU" dirty="0"/>
+            <a:r>
+              <a:rPr lang="hu-HU" dirty="0"/>
+              <a:t>Frissítés elrontotta…</a:t>
+            </a:r>
           </a:p>
         </p:txBody>
       </p:sp>
@@ -1539,7 +1542,22 @@
             </a:r>
           </a:p>
           <a:p>
-            <a:endParaRPr lang="hu-HU" dirty="0"/>
+            <a:r>
+              <a:rPr lang="hu-HU" dirty="0"/>
+              <a:t>Eltérések a szerzők megvalósításától</a:t>
+            </a:r>
+          </a:p>
+          <a:p>
+            <a:r>
+              <a:rPr lang="hu-HU" dirty="0"/>
+              <a:t>De van több összehasonlítási alap</a:t>
+            </a:r>
+          </a:p>
+          <a:p>
+            <a:r>
+              <a:rPr lang="hu-HU" dirty="0"/>
+              <a:t>A további megvalósítások is különböznek bizonyos részletekben</a:t>
+            </a:r>
           </a:p>
         </p:txBody>
       </p:sp>
@@ -8677,14 +8695,14 @@
             <p:ph sz="half" idx="2"/>
             <p:extLst>
               <p:ext uri="{D42A27DB-BD31-4B8C-83A1-F6EECF244321}">
-                <p14:modId xmlns:p14="http://schemas.microsoft.com/office/powerpoint/2010/main" val="2610570758"/>
+                <p14:modId xmlns:p14="http://schemas.microsoft.com/office/powerpoint/2010/main" val="3747200554"/>
               </p:ext>
             </p:extLst>
           </p:nvPr>
         </p:nvGraphicFramePr>
         <p:xfrm>
           <a:off x="5841507" y="2050743"/>
-          <a:ext cx="5661518" cy="4444650"/>
+          <a:ext cx="5446603" cy="4286995"/>
         </p:xfrm>
         <a:graphic>
           <a:graphicData uri="http://schemas.openxmlformats.org/drawingml/2006/chart">
@@ -8785,7 +8803,17 @@
             </a:r>
             <a:r>
               <a:rPr lang="hu-HU" dirty="0"/>
-              <a:t> tanítása</a:t>
+              <a:t> tanítása, vizsgálata, módosítása</a:t>
+            </a:r>
+          </a:p>
+          <a:p>
+            <a:r>
+              <a:rPr lang="hu-HU" dirty="0" err="1"/>
+              <a:t>Disentangled</a:t>
+            </a:r>
+            <a:r>
+              <a:rPr lang="hu-HU" dirty="0"/>
+              <a:t> VAE</a:t>
             </a:r>
           </a:p>
           <a:p>

--- a/Szimpózium0313.pptx
+++ b/Szimpózium0313.pptx
@@ -5,15 +5,16 @@
     <p:sldMasterId id="2147483648" r:id="rId1"/>
   </p:sldMasterIdLst>
   <p:notesMasterIdLst>
-    <p:notesMasterId r:id="rId8"/>
+    <p:notesMasterId r:id="rId9"/>
   </p:notesMasterIdLst>
   <p:sldIdLst>
     <p:sldId id="256" r:id="rId2"/>
-    <p:sldId id="261" r:id="rId3"/>
-    <p:sldId id="257" r:id="rId4"/>
-    <p:sldId id="258" r:id="rId5"/>
-    <p:sldId id="259" r:id="rId6"/>
-    <p:sldId id="260" r:id="rId7"/>
+    <p:sldId id="262" r:id="rId3"/>
+    <p:sldId id="261" r:id="rId4"/>
+    <p:sldId id="257" r:id="rId5"/>
+    <p:sldId id="258" r:id="rId6"/>
+    <p:sldId id="259" r:id="rId7"/>
+    <p:sldId id="260" r:id="rId8"/>
   </p:sldIdLst>
   <p:sldSz cx="12192000" cy="6858000"/>
   <p:notesSz cx="6858000" cy="9144000"/>
@@ -1452,7 +1453,7 @@
           <a:p>
             <a:fld id="{51AD0D74-29B1-446D-AB8F-7C4E2202C095}" type="slidenum">
               <a:rPr lang="hu-HU" smtClean="0"/>
-              <a:t>2</a:t>
+              <a:t>3</a:t>
             </a:fld>
             <a:endParaRPr lang="hu-HU"/>
           </a:p>
@@ -1578,7 +1579,7 @@
           <a:p>
             <a:fld id="{51AD0D74-29B1-446D-AB8F-7C4E2202C095}" type="slidenum">
               <a:rPr lang="hu-HU" smtClean="0"/>
-              <a:t>3</a:t>
+              <a:t>4</a:t>
             </a:fld>
             <a:endParaRPr lang="hu-HU"/>
           </a:p>
@@ -1718,7 +1719,7 @@
           <a:p>
             <a:fld id="{51AD0D74-29B1-446D-AB8F-7C4E2202C095}" type="slidenum">
               <a:rPr lang="hu-HU" smtClean="0"/>
-              <a:t>4</a:t>
+              <a:t>5</a:t>
             </a:fld>
             <a:endParaRPr lang="hu-HU"/>
           </a:p>
@@ -1850,7 +1851,7 @@
           <a:p>
             <a:fld id="{51AD0D74-29B1-446D-AB8F-7C4E2202C095}" type="slidenum">
               <a:rPr lang="hu-HU" smtClean="0"/>
-              <a:t>5</a:t>
+              <a:t>6</a:t>
             </a:fld>
             <a:endParaRPr lang="hu-HU"/>
           </a:p>
@@ -7958,6 +7959,107 @@
           <p:cNvPr id="2" name="Cím 1">
             <a:extLst>
               <a:ext uri="{FF2B5EF4-FFF2-40B4-BE49-F238E27FC236}">
+                <a16:creationId xmlns:a16="http://schemas.microsoft.com/office/drawing/2014/main" id="{1ED6B2E4-0FF9-4135-AF0F-566EC4DC5BBF}"/>
+              </a:ext>
+            </a:extLst>
+          </p:cNvPr>
+          <p:cNvSpPr>
+            <a:spLocks noGrp="1"/>
+          </p:cNvSpPr>
+          <p:nvPr>
+            <p:ph type="title"/>
+          </p:nvPr>
+        </p:nvSpPr>
+        <p:spPr/>
+        <p:txBody>
+          <a:bodyPr/>
+          <a:lstStyle/>
+          <a:p>
+            <a:r>
+              <a:rPr lang="hu-HU" dirty="0" err="1"/>
+              <a:t>Catch-up</a:t>
+            </a:r>
+            <a:endParaRPr lang="hu-HU" dirty="0"/>
+          </a:p>
+        </p:txBody>
+      </p:sp>
+      <p:pic>
+        <p:nvPicPr>
+          <p:cNvPr id="7" name="Tartalom helye 6">
+            <a:extLst>
+              <a:ext uri="{FF2B5EF4-FFF2-40B4-BE49-F238E27FC236}">
+                <a16:creationId xmlns:a16="http://schemas.microsoft.com/office/drawing/2014/main" id="{8A7E8D0A-8738-412B-8593-E583CEBACFAA}"/>
+              </a:ext>
+            </a:extLst>
+          </p:cNvPr>
+          <p:cNvPicPr>
+            <a:picLocks noGrp="1" noChangeAspect="1"/>
+          </p:cNvPicPr>
+          <p:nvPr>
+            <p:ph idx="1"/>
+          </p:nvPr>
+        </p:nvPicPr>
+        <p:blipFill>
+          <a:blip r:embed="rId2"/>
+          <a:stretch>
+            <a:fillRect/>
+          </a:stretch>
+        </p:blipFill>
+        <p:spPr bwMode="auto">
+          <a:xfrm>
+            <a:off x="3615876" y="1869263"/>
+            <a:ext cx="5755582" cy="4060883"/>
+          </a:xfrm>
+          <a:prstGeom prst="rect">
+            <a:avLst/>
+          </a:prstGeom>
+          <a:noFill/>
+          <a:extLst>
+            <a:ext uri="{909E8E84-426E-40DD-AFC4-6F175D3DCCD1}">
+              <a14:hiddenFill xmlns:a14="http://schemas.microsoft.com/office/drawing/2010/main">
+                <a:solidFill>
+                  <a:srgbClr val="FFFFFF"/>
+                </a:solidFill>
+              </a14:hiddenFill>
+            </a:ext>
+          </a:extLst>
+        </p:spPr>
+      </p:pic>
+    </p:spTree>
+    <p:extLst>
+      <p:ext uri="{BB962C8B-B14F-4D97-AF65-F5344CB8AC3E}">
+        <p14:creationId xmlns:p14="http://schemas.microsoft.com/office/powerpoint/2010/main" val="4248650741"/>
+      </p:ext>
+    </p:extLst>
+  </p:cSld>
+  <p:clrMapOvr>
+    <a:masterClrMapping/>
+  </p:clrMapOvr>
+</p:sld>
+</file>
+
+<file path=ppt/slides/slide3.xml><?xml version="1.0" encoding="utf-8"?>
+<p:sld xmlns:a="http://schemas.openxmlformats.org/drawingml/2006/main" xmlns:r="http://schemas.openxmlformats.org/officeDocument/2006/relationships" xmlns:p="http://schemas.openxmlformats.org/presentationml/2006/main">
+  <p:cSld>
+    <p:spTree>
+      <p:nvGrpSpPr>
+        <p:cNvPr id="1" name=""/>
+        <p:cNvGrpSpPr/>
+        <p:nvPr/>
+      </p:nvGrpSpPr>
+      <p:grpSpPr>
+        <a:xfrm>
+          <a:off x="0" y="0"/>
+          <a:ext cx="0" cy="0"/>
+          <a:chOff x="0" y="0"/>
+          <a:chExt cx="0" cy="0"/>
+        </a:xfrm>
+      </p:grpSpPr>
+      <p:sp>
+        <p:nvSpPr>
+          <p:cNvPr id="2" name="Cím 1">
+            <a:extLst>
+              <a:ext uri="{FF2B5EF4-FFF2-40B4-BE49-F238E27FC236}">
                 <a16:creationId xmlns:a16="http://schemas.microsoft.com/office/drawing/2014/main" id="{DCE61779-2096-4E8D-967E-F19C6BB443A9}"/>
               </a:ext>
             </a:extLst>
@@ -8258,7 +8360,7 @@
 </p:sld>
 </file>
 
-<file path=ppt/slides/slide3.xml><?xml version="1.0" encoding="utf-8"?>
+<file path=ppt/slides/slide4.xml><?xml version="1.0" encoding="utf-8"?>
 <p:sld xmlns:a="http://schemas.openxmlformats.org/drawingml/2006/main" xmlns:r="http://schemas.openxmlformats.org/officeDocument/2006/relationships" xmlns:p="http://schemas.openxmlformats.org/presentationml/2006/main">
   <p:cSld>
     <p:spTree>
@@ -8395,7 +8497,7 @@
 </p:sld>
 </file>
 
-<file path=ppt/slides/slide4.xml><?xml version="1.0" encoding="utf-8"?>
+<file path=ppt/slides/slide5.xml><?xml version="1.0" encoding="utf-8"?>
 <p:sld xmlns:a="http://schemas.openxmlformats.org/drawingml/2006/main" xmlns:r="http://schemas.openxmlformats.org/officeDocument/2006/relationships" xmlns:p="http://schemas.openxmlformats.org/presentationml/2006/main">
   <p:cSld>
     <p:spTree>
@@ -8570,7 +8672,7 @@
 </p:sld>
 </file>
 
-<file path=ppt/slides/slide5.xml><?xml version="1.0" encoding="utf-8"?>
+<file path=ppt/slides/slide6.xml><?xml version="1.0" encoding="utf-8"?>
 <p:sld xmlns:a="http://schemas.openxmlformats.org/drawingml/2006/main" xmlns:r="http://schemas.openxmlformats.org/officeDocument/2006/relationships" xmlns:p="http://schemas.openxmlformats.org/presentationml/2006/main">
   <p:cSld>
     <p:spTree>
@@ -8723,7 +8825,7 @@
 </p:sld>
 </file>
 
-<file path=ppt/slides/slide6.xml><?xml version="1.0" encoding="utf-8"?>
+<file path=ppt/slides/slide7.xml><?xml version="1.0" encoding="utf-8"?>
 <p:sld xmlns:a="http://schemas.openxmlformats.org/drawingml/2006/main" xmlns:r="http://schemas.openxmlformats.org/officeDocument/2006/relationships" xmlns:p="http://schemas.openxmlformats.org/presentationml/2006/main">
   <p:cSld>
     <p:spTree>
